--- a/IMDB Movie Analyze.pptx
+++ b/IMDB Movie Analyze.pptx
@@ -7,7 +7,7 @@
   <p:sldIdLst>
     <p:sldId id="256" r:id="rId2"/>
     <p:sldId id="257" r:id="rId3"/>
-    <p:sldId id="258" r:id="rId4"/>
+    <p:sldId id="268" r:id="rId4"/>
     <p:sldId id="259" r:id="rId5"/>
     <p:sldId id="260" r:id="rId6"/>
     <p:sldId id="262" r:id="rId7"/>
@@ -255,7 +255,8 @@
           <a:p>
             <a:fld id="{C3ABDF8B-7D91-4142-B467-CF0A0F5CC56A}" type="datetimeFigureOut">
               <a:rPr lang="en-US" smtClean="0"/>
-              <a:t>8/21/2021</a:t>
+              <a:pPr/>
+              <a:t>8/27/2021</a:t>
             </a:fld>
             <a:endParaRPr lang="en-US"/>
           </a:p>
@@ -1001,6 +1002,7 @@
           <a:p>
             <a:fld id="{07E6964D-6A62-498D-BC96-2B432E5CCF18}" type="slidenum">
               <a:rPr lang="en-US" smtClean="0"/>
+              <a:pPr/>
               <a:t>‹#›</a:t>
             </a:fld>
             <a:endParaRPr lang="en-US"/>
@@ -1124,7 +1126,8 @@
           <a:p>
             <a:fld id="{C3ABDF8B-7D91-4142-B467-CF0A0F5CC56A}" type="datetimeFigureOut">
               <a:rPr lang="en-US" smtClean="0"/>
-              <a:t>8/21/2021</a:t>
+              <a:pPr/>
+              <a:t>8/27/2021</a:t>
             </a:fld>
             <a:endParaRPr lang="en-US"/>
           </a:p>
@@ -1166,6 +1169,7 @@
           <a:p>
             <a:fld id="{07E6964D-6A62-498D-BC96-2B432E5CCF18}" type="slidenum">
               <a:rPr lang="en-US" smtClean="0"/>
+              <a:pPr/>
               <a:t>‹#›</a:t>
             </a:fld>
             <a:endParaRPr lang="en-US"/>
@@ -1299,7 +1303,8 @@
           <a:p>
             <a:fld id="{C3ABDF8B-7D91-4142-B467-CF0A0F5CC56A}" type="datetimeFigureOut">
               <a:rPr lang="en-US" smtClean="0"/>
-              <a:t>8/21/2021</a:t>
+              <a:pPr/>
+              <a:t>8/27/2021</a:t>
             </a:fld>
             <a:endParaRPr lang="en-US"/>
           </a:p>
@@ -1341,6 +1346,7 @@
           <a:p>
             <a:fld id="{07E6964D-6A62-498D-BC96-2B432E5CCF18}" type="slidenum">
               <a:rPr lang="en-US" smtClean="0"/>
+              <a:pPr/>
               <a:t>‹#›</a:t>
             </a:fld>
             <a:endParaRPr lang="en-US"/>
@@ -1469,7 +1475,8 @@
           <a:p>
             <a:fld id="{C3ABDF8B-7D91-4142-B467-CF0A0F5CC56A}" type="datetimeFigureOut">
               <a:rPr lang="en-US" smtClean="0"/>
-              <a:t>8/21/2021</a:t>
+              <a:pPr/>
+              <a:t>8/27/2021</a:t>
             </a:fld>
             <a:endParaRPr lang="en-US"/>
           </a:p>
@@ -1492,6 +1499,7 @@
           <a:p>
             <a:fld id="{07E6964D-6A62-498D-BC96-2B432E5CCF18}" type="slidenum">
               <a:rPr lang="en-US" smtClean="0"/>
+              <a:pPr/>
               <a:t>‹#›</a:t>
             </a:fld>
             <a:endParaRPr lang="en-US"/>
@@ -1679,7 +1687,8 @@
           <a:p>
             <a:fld id="{C3ABDF8B-7D91-4142-B467-CF0A0F5CC56A}" type="datetimeFigureOut">
               <a:rPr lang="en-US" smtClean="0"/>
-              <a:t>8/21/2021</a:t>
+              <a:pPr/>
+              <a:t>8/27/2021</a:t>
             </a:fld>
             <a:endParaRPr lang="en-US"/>
           </a:p>
@@ -2422,6 +2431,7 @@
           <a:p>
             <a:fld id="{07E6964D-6A62-498D-BC96-2B432E5CCF18}" type="slidenum">
               <a:rPr lang="en-US" smtClean="0"/>
+              <a:pPr/>
               <a:t>‹#›</a:t>
             </a:fld>
             <a:endParaRPr lang="en-US"/>
@@ -2493,7 +2503,8 @@
           <a:p>
             <a:fld id="{C3ABDF8B-7D91-4142-B467-CF0A0F5CC56A}" type="datetimeFigureOut">
               <a:rPr lang="en-US" smtClean="0"/>
-              <a:t>8/21/2021</a:t>
+              <a:pPr/>
+              <a:t>8/27/2021</a:t>
             </a:fld>
             <a:endParaRPr lang="en-US"/>
           </a:p>
@@ -2535,6 +2546,7 @@
           <a:p>
             <a:fld id="{07E6964D-6A62-498D-BC96-2B432E5CCF18}" type="slidenum">
               <a:rPr lang="en-US" smtClean="0"/>
+              <a:pPr/>
               <a:t>‹#›</a:t>
             </a:fld>
             <a:endParaRPr lang="en-US"/>
@@ -2729,7 +2741,8 @@
           <a:p>
             <a:fld id="{C3ABDF8B-7D91-4142-B467-CF0A0F5CC56A}" type="datetimeFigureOut">
               <a:rPr lang="en-US" smtClean="0"/>
-              <a:t>8/21/2021</a:t>
+              <a:pPr/>
+              <a:t>8/27/2021</a:t>
             </a:fld>
             <a:endParaRPr lang="en-US"/>
           </a:p>
@@ -2771,6 +2784,7 @@
           <a:p>
             <a:fld id="{07E6964D-6A62-498D-BC96-2B432E5CCF18}" type="slidenum">
               <a:rPr lang="en-US" smtClean="0"/>
+              <a:pPr/>
               <a:t>‹#›</a:t>
             </a:fld>
             <a:endParaRPr lang="en-US"/>
@@ -3052,7 +3066,8 @@
           <a:p>
             <a:fld id="{C3ABDF8B-7D91-4142-B467-CF0A0F5CC56A}" type="datetimeFigureOut">
               <a:rPr lang="en-US" smtClean="0"/>
-              <a:t>8/21/2021</a:t>
+              <a:pPr/>
+              <a:t>8/27/2021</a:t>
             </a:fld>
             <a:endParaRPr lang="en-US"/>
           </a:p>
@@ -3075,6 +3090,7 @@
           <a:p>
             <a:fld id="{07E6964D-6A62-498D-BC96-2B432E5CCF18}" type="slidenum">
               <a:rPr lang="en-US" smtClean="0"/>
+              <a:pPr/>
               <a:t>‹#›</a:t>
             </a:fld>
             <a:endParaRPr lang="en-US"/>
@@ -3142,7 +3158,8 @@
           <a:p>
             <a:fld id="{C3ABDF8B-7D91-4142-B467-CF0A0F5CC56A}" type="datetimeFigureOut">
               <a:rPr lang="en-US" smtClean="0"/>
-              <a:t>8/21/2021</a:t>
+              <a:pPr/>
+              <a:t>8/27/2021</a:t>
             </a:fld>
             <a:endParaRPr lang="en-US"/>
           </a:p>
@@ -3184,6 +3201,7 @@
           <a:p>
             <a:fld id="{07E6964D-6A62-498D-BC96-2B432E5CCF18}" type="slidenum">
               <a:rPr lang="en-US" smtClean="0"/>
+              <a:pPr/>
               <a:t>‹#›</a:t>
             </a:fld>
             <a:endParaRPr lang="en-US"/>
@@ -3659,7 +3677,8 @@
           <a:p>
             <a:fld id="{C3ABDF8B-7D91-4142-B467-CF0A0F5CC56A}" type="datetimeFigureOut">
               <a:rPr lang="en-US" smtClean="0"/>
-              <a:t>8/21/2021</a:t>
+              <a:pPr/>
+              <a:t>8/27/2021</a:t>
             </a:fld>
             <a:endParaRPr lang="en-US"/>
           </a:p>
@@ -3682,6 +3701,7 @@
           <a:p>
             <a:fld id="{07E6964D-6A62-498D-BC96-2B432E5CCF18}" type="slidenum">
               <a:rPr lang="en-US" smtClean="0"/>
+              <a:pPr/>
               <a:t>‹#›</a:t>
             </a:fld>
             <a:endParaRPr lang="en-US"/>
@@ -4170,7 +4190,8 @@
           <a:p>
             <a:fld id="{C3ABDF8B-7D91-4142-B467-CF0A0F5CC56A}" type="datetimeFigureOut">
               <a:rPr lang="en-US" smtClean="0"/>
-              <a:t>8/21/2021</a:t>
+              <a:pPr/>
+              <a:t>8/27/2021</a:t>
             </a:fld>
             <a:endParaRPr lang="en-US"/>
           </a:p>
@@ -4193,6 +4214,7 @@
           <a:p>
             <a:fld id="{07E6964D-6A62-498D-BC96-2B432E5CCF18}" type="slidenum">
               <a:rPr lang="en-US" smtClean="0"/>
+              <a:pPr/>
               <a:t>‹#›</a:t>
             </a:fld>
             <a:endParaRPr lang="en-US"/>
@@ -4415,7 +4437,8 @@
           <a:p>
             <a:fld id="{C3ABDF8B-7D91-4142-B467-CF0A0F5CC56A}" type="datetimeFigureOut">
               <a:rPr lang="en-US" smtClean="0"/>
-              <a:t>8/21/2021</a:t>
+              <a:pPr/>
+              <a:t>8/27/2021</a:t>
             </a:fld>
             <a:endParaRPr lang="en-US"/>
           </a:p>
@@ -4691,6 +4714,7 @@
           <a:p>
             <a:fld id="{07E6964D-6A62-498D-BC96-2B432E5CCF18}" type="slidenum">
               <a:rPr lang="en-US" smtClean="0"/>
+              <a:pPr/>
               <a:t>‹#›</a:t>
             </a:fld>
             <a:endParaRPr lang="en-US"/>
@@ -5219,23 +5243,14 @@
             </a:pPr>
             <a:r>
               <a:rPr lang="en-US" dirty="0" smtClean="0"/>
-              <a:t>We can recommend to new studio to make movie with </a:t>
-            </a:r>
+              <a:t>We can recommend to new studio to make movie with ;</a:t>
+            </a:r>
+          </a:p>
+          <a:p>
             <a:r>
               <a:rPr lang="en-US" dirty="0" smtClean="0"/>
-              <a:t>;</a:t>
-            </a:r>
-          </a:p>
-          <a:p>
-            <a:r>
-              <a:rPr lang="en-US" dirty="0" smtClean="0"/>
-              <a:t>one </a:t>
-            </a:r>
-            <a:r>
-              <a:rPr lang="en-US" dirty="0" smtClean="0"/>
-              <a:t>of these directors, </a:t>
-            </a:r>
-            <a:endParaRPr lang="en-US" dirty="0" smtClean="0"/>
+              <a:t>one of these directors, </a:t>
+            </a:r>
           </a:p>
           <a:p>
             <a:r>
@@ -5248,32 +5263,19 @@
             </a:r>
             <a:r>
               <a:rPr lang="en-US" dirty="0" smtClean="0"/>
-              <a:t> or drama</a:t>
-            </a:r>
+              <a:t> or drama.</a:t>
+            </a:r>
+          </a:p>
+          <a:p>
             <a:r>
               <a:rPr lang="en-US" dirty="0" smtClean="0"/>
-              <a:t>.</a:t>
+              <a:t>And give as much as possible budget. </a:t>
             </a:r>
           </a:p>
           <a:p>
             <a:r>
               <a:rPr lang="en-US" dirty="0" smtClean="0"/>
-              <a:t>And </a:t>
-            </a:r>
-            <a:r>
-              <a:rPr lang="en-US" dirty="0" smtClean="0"/>
-              <a:t>give as much as possible budget. </a:t>
-            </a:r>
-            <a:endParaRPr lang="en-US" dirty="0" smtClean="0"/>
-          </a:p>
-          <a:p>
-            <a:r>
-              <a:rPr lang="en-US" dirty="0" smtClean="0"/>
-              <a:t>And </a:t>
-            </a:r>
-            <a:r>
-              <a:rPr lang="en-US" dirty="0" smtClean="0"/>
-              <a:t>further look what BV and Fox studios are doing to have most revenue and become most popular.</a:t>
+              <a:t>And further look what BV and Fox studios are doing to have most revenue and become most popular.</a:t>
             </a:r>
             <a:endParaRPr lang="en-US" dirty="0"/>
           </a:p>
@@ -5384,7 +5386,7 @@
         </p:nvSpPr>
         <p:spPr>
           <a:xfrm>
-            <a:off x="533400" y="1066800"/>
+            <a:off x="533400" y="533400"/>
             <a:ext cx="8229600" cy="1143000"/>
           </a:xfrm>
         </p:spPr>
@@ -5396,43 +5398,59 @@
           <a:p>
             <a:r>
               <a:rPr lang="en-US" dirty="0" smtClean="0"/>
-              <a:t>Looking inside the first </a:t>
-            </a:r>
-            <a:r>
-              <a:rPr lang="en-US" dirty="0" err="1" smtClean="0"/>
-              <a:t>dataframe</a:t>
-            </a:r>
+              <a:t>What is business problem?</a:t>
+            </a:r>
+            <a:endParaRPr lang="en-US" dirty="0"/>
+          </a:p>
+        </p:txBody>
+      </p:sp>
+      <p:sp>
+        <p:nvSpPr>
+          <p:cNvPr id="6" name="5 Metin kutusu"/>
+          <p:cNvSpPr txBox="1"/>
+          <p:nvPr/>
+        </p:nvSpPr>
+        <p:spPr>
+          <a:xfrm>
+            <a:off x="533400" y="2133600"/>
+            <a:ext cx="6400800" cy="923330"/>
+          </a:xfrm>
+          <a:prstGeom prst="rect">
+            <a:avLst/>
+          </a:prstGeom>
+          <a:noFill/>
+          <a:ln>
+            <a:solidFill>
+              <a:schemeClr val="bg1"/>
+            </a:solidFill>
+          </a:ln>
+        </p:spPr>
+        <p:txBody>
+          <a:bodyPr wrap="square" rtlCol="0">
+            <a:spAutoFit/>
+          </a:bodyPr>
+          <a:lstStyle/>
+          <a:p>
             <a:r>
               <a:rPr lang="en-US" dirty="0" smtClean="0"/>
-              <a:t> as sample</a:t>
-            </a:r>
-            <a:endParaRPr lang="en-US" dirty="0"/>
-          </a:p>
-        </p:txBody>
-      </p:sp>
-      <p:pic>
-        <p:nvPicPr>
-          <p:cNvPr id="4" name="3 İçerik Yer Tutucusu" descr="movie_gross.jpg"/>
-          <p:cNvPicPr>
-            <a:picLocks noGrp="1" noChangeAspect="1"/>
-          </p:cNvPicPr>
-          <p:nvPr>
-            <p:ph sz="quarter" idx="1"/>
-          </p:nvPr>
-        </p:nvPicPr>
-        <p:blipFill>
-          <a:blip r:embed="rId2" cstate="print"/>
-          <a:stretch>
-            <a:fillRect/>
-          </a:stretch>
-        </p:blipFill>
-        <p:spPr>
-          <a:xfrm>
-            <a:off x="457200" y="2362200"/>
-            <a:ext cx="8229600" cy="2438399"/>
-          </a:xfrm>
-        </p:spPr>
-      </p:pic>
+              <a:t>Microsoft decided to create a </a:t>
+            </a:r>
+            <a:r>
+              <a:rPr lang="en-US" b="1" dirty="0" smtClean="0"/>
+              <a:t>new studio.</a:t>
+            </a:r>
+            <a:r>
+              <a:rPr lang="en-US" dirty="0" smtClean="0"/>
+              <a:t> In this presentation you are going to see analyze of movies and recommendations to Microsoft to create a new studio.</a:t>
+            </a:r>
+            <a:r>
+              <a:rPr lang="en-US" b="1" dirty="0" smtClean="0"/>
+              <a:t> </a:t>
+            </a:r>
+            <a:endParaRPr lang="en-US" b="1" dirty="0"/>
+          </a:p>
+        </p:txBody>
+      </p:sp>
     </p:spTree>
   </p:cSld>
   <p:clrMapOvr>
@@ -5480,21 +5498,12 @@
         </p:nvSpPr>
         <p:spPr/>
         <p:txBody>
-          <a:bodyPr>
-            <a:normAutofit/>
-          </a:bodyPr>
+          <a:bodyPr/>
           <a:lstStyle/>
           <a:p>
             <a:r>
               <a:rPr lang="en-US" dirty="0" smtClean="0"/>
-              <a:t>Highest-Grossing 20 Movie Studios</a:t>
-            </a:r>
-            <a:br>
-              <a:rPr lang="en-US" dirty="0" smtClean="0"/>
-            </a:br>
-            <a:r>
-              <a:rPr lang="en-US" dirty="0" smtClean="0"/>
-              <a:t> </a:t>
+              <a:t>Data understanding</a:t>
             </a:r>
             <a:endParaRPr lang="en-US" dirty="0"/>
           </a:p>
@@ -5502,37 +5511,78 @@
       </p:sp>
       <p:pic>
         <p:nvPicPr>
-          <p:cNvPr id="4" name="3 İçerik Yer Tutucusu" descr="20studio.jpg"/>
+          <p:cNvPr id="1028" name="Picture 4"/>
           <p:cNvPicPr>
-            <a:picLocks noGrp="1" noChangeAspect="1"/>
+            <a:picLocks noChangeAspect="1" noChangeArrowheads="1"/>
           </p:cNvPicPr>
-          <p:nvPr>
-            <p:ph sz="quarter" idx="1"/>
-          </p:nvPr>
+          <p:nvPr/>
         </p:nvPicPr>
         <p:blipFill>
           <a:blip r:embed="rId2" cstate="print"/>
+          <a:srcRect/>
           <a:stretch>
             <a:fillRect/>
           </a:stretch>
         </p:blipFill>
-        <p:spPr>
-          <a:xfrm>
-            <a:off x="304800" y="1371600"/>
-            <a:ext cx="6544298" cy="4525963"/>
-          </a:xfrm>
+        <p:spPr bwMode="auto">
+          <a:xfrm>
+            <a:off x="457200" y="1600200"/>
+            <a:ext cx="809625" cy="3857625"/>
+          </a:xfrm>
+          <a:prstGeom prst="rect">
+            <a:avLst/>
+          </a:prstGeom>
+          <a:noFill/>
+          <a:ln w="9525">
+            <a:noFill/>
+            <a:miter lim="800000"/>
+            <a:headEnd/>
+            <a:tailEnd/>
+          </a:ln>
         </p:spPr>
       </p:pic>
-      <p:sp>
-        <p:nvSpPr>
-          <p:cNvPr id="5" name="4 Metin kutusu"/>
+      <p:pic>
+        <p:nvPicPr>
+          <p:cNvPr id="1029" name="Picture 5"/>
+          <p:cNvPicPr>
+            <a:picLocks noChangeAspect="1" noChangeArrowheads="1"/>
+          </p:cNvPicPr>
+          <p:nvPr/>
+        </p:nvPicPr>
+        <p:blipFill>
+          <a:blip r:embed="rId3" cstate="print"/>
+          <a:srcRect/>
+          <a:stretch>
+            <a:fillRect/>
+          </a:stretch>
+        </p:blipFill>
+        <p:spPr bwMode="auto">
+          <a:xfrm>
+            <a:off x="1600200" y="1600200"/>
+            <a:ext cx="1647825" cy="3752850"/>
+          </a:xfrm>
+          <a:prstGeom prst="rect">
+            <a:avLst/>
+          </a:prstGeom>
+          <a:noFill/>
+          <a:ln w="9525">
+            <a:noFill/>
+            <a:miter lim="800000"/>
+            <a:headEnd/>
+            <a:tailEnd/>
+          </a:ln>
+        </p:spPr>
+      </p:pic>
+      <p:sp>
+        <p:nvSpPr>
+          <p:cNvPr id="9" name="8 Metin kutusu"/>
           <p:cNvSpPr txBox="1"/>
           <p:nvPr/>
         </p:nvSpPr>
         <p:spPr>
           <a:xfrm>
-            <a:off x="7010400" y="1676400"/>
-            <a:ext cx="1981200" cy="2246769"/>
+            <a:off x="4419600" y="1676400"/>
+            <a:ext cx="3733800" cy="3693319"/>
           </a:xfrm>
           <a:prstGeom prst="rect">
             <a:avLst/>
@@ -5546,21 +5596,49 @@
           <a:lstStyle/>
           <a:p>
             <a:r>
-              <a:rPr lang="en-US" sz="2000" dirty="0" smtClean="0"/>
-              <a:t>After a little bit work from movie gross </a:t>
-            </a:r>
-            <a:r>
-              <a:rPr lang="en-US" sz="2000" dirty="0" err="1" smtClean="0"/>
-              <a:t>dataframe</a:t>
-            </a:r>
-            <a:endParaRPr lang="en-US" sz="2000" dirty="0" smtClean="0"/>
-          </a:p>
-          <a:p>
-            <a:r>
-              <a:rPr lang="en-US" sz="2000" dirty="0" smtClean="0"/>
-              <a:t>(previous slide) we can see highest-grossing top 20 studios.</a:t>
-            </a:r>
-            <a:endParaRPr lang="en-US" sz="2000" dirty="0"/>
+              <a:rPr lang="en-US" dirty="0" smtClean="0"/>
+              <a:t>We have highest grossing studios and their total gross values in our data. This pictures you are seeing already sorted from top gross to bottom for  find best studios.</a:t>
+            </a:r>
+          </a:p>
+          <a:p>
+            <a:endParaRPr lang="en-US" dirty="0" smtClean="0"/>
+          </a:p>
+          <a:p>
+            <a:r>
+              <a:rPr lang="en-US" dirty="0" smtClean="0"/>
+              <a:t>Gross values could be hard to read however they are in </a:t>
+            </a:r>
+            <a:r>
+              <a:rPr lang="en-US" b="1" dirty="0" smtClean="0"/>
+              <a:t>billions.</a:t>
+            </a:r>
+            <a:endParaRPr lang="en-US" u="sng" dirty="0" smtClean="0"/>
+          </a:p>
+          <a:p>
+            <a:endParaRPr lang="en-US" dirty="0" smtClean="0"/>
+          </a:p>
+          <a:p>
+            <a:r>
+              <a:rPr lang="en-US" dirty="0" smtClean="0"/>
+              <a:t>This data shows us total </a:t>
+            </a:r>
+            <a:r>
+              <a:rPr lang="en-US" b="1" dirty="0" smtClean="0"/>
+              <a:t>3387 </a:t>
+            </a:r>
+            <a:r>
+              <a:rPr lang="en-US" dirty="0" smtClean="0"/>
+              <a:t>movies between </a:t>
+            </a:r>
+            <a:r>
+              <a:rPr lang="en-US" b="1" dirty="0" smtClean="0"/>
+              <a:t>2010-2018</a:t>
+            </a:r>
+            <a:r>
+              <a:rPr lang="en-US" dirty="0" smtClean="0"/>
+              <a:t> years. Includes movies like ; Inception , Avengers, Harry Potter, Star Wars.</a:t>
+            </a:r>
+            <a:endParaRPr lang="en-US" dirty="0"/>
           </a:p>
         </p:txBody>
       </p:sp>
@@ -5569,16 +5647,6 @@
   <p:clrMapOvr>
     <a:masterClrMapping/>
   </p:clrMapOvr>
-  <p:transition>
-    <p:split/>
-  </p:transition>
-  <p:timing>
-    <p:tnLst>
-      <p:par>
-        <p:cTn id="1" dur="indefinite" restart="never" nodeType="tmRoot"/>
-      </p:par>
-    </p:tnLst>
-  </p:timing>
 </p:sld>
 </file>
 
@@ -5793,7 +5861,7 @@
           <a:p>
             <a:r>
               <a:rPr lang="en-US" dirty="0" smtClean="0"/>
-              <a:t>This graph supportive previous one to see if highest-grossing studios also most popular ones.</a:t>
+              <a:t>This graph supports the previous graph to show that  higher-grossing studios are also the most popular ones.</a:t>
             </a:r>
             <a:endParaRPr lang="en-US" dirty="0"/>
           </a:p>

--- a/IMDB Movie Analyze.pptx
+++ b/IMDB Movie Analyze.pptx
@@ -16,7 +16,8 @@
     <p:sldId id="264" r:id="rId10"/>
     <p:sldId id="265" r:id="rId11"/>
     <p:sldId id="267" r:id="rId12"/>
-    <p:sldId id="266" r:id="rId13"/>
+    <p:sldId id="269" r:id="rId13"/>
+    <p:sldId id="266" r:id="rId14"/>
   </p:sldIdLst>
   <p:sldSz cx="9144000" cy="6858000" type="screen4x3"/>
   <p:notesSz cx="6858000" cy="9144000"/>
@@ -256,7 +257,7 @@
             <a:fld id="{C3ABDF8B-7D91-4142-B467-CF0A0F5CC56A}" type="datetimeFigureOut">
               <a:rPr lang="en-US" smtClean="0"/>
               <a:pPr/>
-              <a:t>8/27/2021</a:t>
+              <a:t>8/30/2021</a:t>
             </a:fld>
             <a:endParaRPr lang="en-US"/>
           </a:p>
@@ -1127,7 +1128,7 @@
             <a:fld id="{C3ABDF8B-7D91-4142-B467-CF0A0F5CC56A}" type="datetimeFigureOut">
               <a:rPr lang="en-US" smtClean="0"/>
               <a:pPr/>
-              <a:t>8/27/2021</a:t>
+              <a:t>8/30/2021</a:t>
             </a:fld>
             <a:endParaRPr lang="en-US"/>
           </a:p>
@@ -1304,7 +1305,7 @@
             <a:fld id="{C3ABDF8B-7D91-4142-B467-CF0A0F5CC56A}" type="datetimeFigureOut">
               <a:rPr lang="en-US" smtClean="0"/>
               <a:pPr/>
-              <a:t>8/27/2021</a:t>
+              <a:t>8/30/2021</a:t>
             </a:fld>
             <a:endParaRPr lang="en-US"/>
           </a:p>
@@ -1476,7 +1477,7 @@
             <a:fld id="{C3ABDF8B-7D91-4142-B467-CF0A0F5CC56A}" type="datetimeFigureOut">
               <a:rPr lang="en-US" smtClean="0"/>
               <a:pPr/>
-              <a:t>8/27/2021</a:t>
+              <a:t>8/30/2021</a:t>
             </a:fld>
             <a:endParaRPr lang="en-US"/>
           </a:p>
@@ -1688,7 +1689,7 @@
             <a:fld id="{C3ABDF8B-7D91-4142-B467-CF0A0F5CC56A}" type="datetimeFigureOut">
               <a:rPr lang="en-US" smtClean="0"/>
               <a:pPr/>
-              <a:t>8/27/2021</a:t>
+              <a:t>8/30/2021</a:t>
             </a:fld>
             <a:endParaRPr lang="en-US"/>
           </a:p>
@@ -2504,7 +2505,7 @@
             <a:fld id="{C3ABDF8B-7D91-4142-B467-CF0A0F5CC56A}" type="datetimeFigureOut">
               <a:rPr lang="en-US" smtClean="0"/>
               <a:pPr/>
-              <a:t>8/27/2021</a:t>
+              <a:t>8/30/2021</a:t>
             </a:fld>
             <a:endParaRPr lang="en-US"/>
           </a:p>
@@ -2742,7 +2743,7 @@
             <a:fld id="{C3ABDF8B-7D91-4142-B467-CF0A0F5CC56A}" type="datetimeFigureOut">
               <a:rPr lang="en-US" smtClean="0"/>
               <a:pPr/>
-              <a:t>8/27/2021</a:t>
+              <a:t>8/30/2021</a:t>
             </a:fld>
             <a:endParaRPr lang="en-US"/>
           </a:p>
@@ -3067,7 +3068,7 @@
             <a:fld id="{C3ABDF8B-7D91-4142-B467-CF0A0F5CC56A}" type="datetimeFigureOut">
               <a:rPr lang="en-US" smtClean="0"/>
               <a:pPr/>
-              <a:t>8/27/2021</a:t>
+              <a:t>8/30/2021</a:t>
             </a:fld>
             <a:endParaRPr lang="en-US"/>
           </a:p>
@@ -3159,7 +3160,7 @@
             <a:fld id="{C3ABDF8B-7D91-4142-B467-CF0A0F5CC56A}" type="datetimeFigureOut">
               <a:rPr lang="en-US" smtClean="0"/>
               <a:pPr/>
-              <a:t>8/27/2021</a:t>
+              <a:t>8/30/2021</a:t>
             </a:fld>
             <a:endParaRPr lang="en-US"/>
           </a:p>
@@ -3678,7 +3679,7 @@
             <a:fld id="{C3ABDF8B-7D91-4142-B467-CF0A0F5CC56A}" type="datetimeFigureOut">
               <a:rPr lang="en-US" smtClean="0"/>
               <a:pPr/>
-              <a:t>8/27/2021</a:t>
+              <a:t>8/30/2021</a:t>
             </a:fld>
             <a:endParaRPr lang="en-US"/>
           </a:p>
@@ -4191,7 +4192,7 @@
             <a:fld id="{C3ABDF8B-7D91-4142-B467-CF0A0F5CC56A}" type="datetimeFigureOut">
               <a:rPr lang="en-US" smtClean="0"/>
               <a:pPr/>
-              <a:t>8/27/2021</a:t>
+              <a:t>8/30/2021</a:t>
             </a:fld>
             <a:endParaRPr lang="en-US"/>
           </a:p>
@@ -4438,7 +4439,7 @@
             <a:fld id="{C3ABDF8B-7D91-4142-B467-CF0A0F5CC56A}" type="datetimeFigureOut">
               <a:rPr lang="en-US" smtClean="0"/>
               <a:pPr/>
-              <a:t>8/27/2021</a:t>
+              <a:t>8/30/2021</a:t>
             </a:fld>
             <a:endParaRPr lang="en-US"/>
           </a:p>
@@ -5134,7 +5135,7 @@
       </p:sp>
       <p:pic>
         <p:nvPicPr>
-          <p:cNvPr id="4" name="3 İçerik Yer Tutucusu" descr="directors.jpg"/>
+          <p:cNvPr id="6" name="5 İçerik Yer Tutucusu" descr="directors.jpg"/>
           <p:cNvPicPr>
             <a:picLocks noGrp="1" noChangeAspect="1"/>
           </p:cNvPicPr>
@@ -5150,8 +5151,8 @@
         </p:blipFill>
         <p:spPr>
           <a:xfrm>
-            <a:off x="762000" y="1447800"/>
-            <a:ext cx="7576356" cy="4525963"/>
+            <a:off x="457200" y="1776668"/>
+            <a:ext cx="7467600" cy="4520688"/>
           </a:xfrm>
         </p:spPr>
       </p:pic>
@@ -5249,13 +5250,38 @@
           <a:p>
             <a:r>
               <a:rPr lang="en-US" dirty="0" smtClean="0"/>
-              <a:t>one of these directors, </a:t>
-            </a:r>
-          </a:p>
-          <a:p>
+              <a:t>O</a:t>
+            </a:r>
             <a:r>
               <a:rPr lang="en-US" dirty="0" smtClean="0"/>
-              <a:t>on </a:t>
+              <a:t>ne </a:t>
+            </a:r>
+            <a:r>
+              <a:rPr lang="en-US" dirty="0" smtClean="0"/>
+              <a:t>of these </a:t>
+            </a:r>
+            <a:r>
+              <a:rPr lang="en-US" dirty="0" smtClean="0"/>
+              <a:t>directors; Joe Russo, Anthony </a:t>
+            </a:r>
+            <a:r>
+              <a:rPr lang="en-US" dirty="0" err="1" smtClean="0"/>
+              <a:t>Russo,Christopher</a:t>
+            </a:r>
+            <a:r>
+              <a:rPr lang="en-US" dirty="0" smtClean="0"/>
+              <a:t> Nolan or James Wan. </a:t>
+            </a:r>
+            <a:endParaRPr lang="en-US" dirty="0" smtClean="0"/>
+          </a:p>
+          <a:p>
+            <a:r>
+              <a:rPr lang="en-US" dirty="0" smtClean="0"/>
+              <a:t>O</a:t>
+            </a:r>
+            <a:r>
+              <a:rPr lang="en-US" dirty="0" smtClean="0"/>
+              <a:t>n </a:t>
             </a:r>
             <a:r>
               <a:rPr lang="en-US" dirty="0" err="1" smtClean="0"/>
@@ -5269,14 +5295,29 @@
           <a:p>
             <a:r>
               <a:rPr lang="en-US" dirty="0" smtClean="0"/>
-              <a:t>And give as much as possible budget. </a:t>
-            </a:r>
-          </a:p>
-          <a:p>
+              <a:t>Give possible </a:t>
+            </a:r>
             <a:r>
               <a:rPr lang="en-US" dirty="0" smtClean="0"/>
-              <a:t>And further look what BV and Fox studios are doing to have most revenue and become most popular.</a:t>
-            </a:r>
+              <a:t>budget between 100 million to 300 million</a:t>
+            </a:r>
+            <a:r>
+              <a:rPr lang="en-US" dirty="0" smtClean="0"/>
+              <a:t>. </a:t>
+            </a:r>
+            <a:endParaRPr lang="en-US" dirty="0" smtClean="0"/>
+          </a:p>
+          <a:p>
+            <a:r>
+              <a:rPr lang="en-US" dirty="0" smtClean="0"/>
+              <a:t>And further look what BV and Fox studios are doing to have most revenue and become most popular</a:t>
+            </a:r>
+            <a:r>
+              <a:rPr lang="en-US" dirty="0" smtClean="0"/>
+              <a:t>.</a:t>
+            </a:r>
+          </a:p>
+          <a:p>
             <a:endParaRPr lang="en-US" dirty="0"/>
           </a:p>
         </p:txBody>
@@ -5300,6 +5341,135 @@
 </file>
 
 <file path=ppt/slides/slide12.xml><?xml version="1.0" encoding="utf-8"?>
+<p:sld xmlns:a="http://schemas.openxmlformats.org/drawingml/2006/main" xmlns:r="http://schemas.openxmlformats.org/officeDocument/2006/relationships" xmlns:p="http://schemas.openxmlformats.org/presentationml/2006/main">
+  <p:cSld>
+    <p:spTree>
+      <p:nvGrpSpPr>
+        <p:cNvPr id="1" name=""/>
+        <p:cNvGrpSpPr/>
+        <p:nvPr/>
+      </p:nvGrpSpPr>
+      <p:grpSpPr>
+        <a:xfrm>
+          <a:off x="0" y="0"/>
+          <a:ext cx="0" cy="0"/>
+          <a:chOff x="0" y="0"/>
+          <a:chExt cx="0" cy="0"/>
+        </a:xfrm>
+      </p:grpSpPr>
+      <p:sp>
+        <p:nvSpPr>
+          <p:cNvPr id="2" name="1 Başlık"/>
+          <p:cNvSpPr>
+            <a:spLocks noGrp="1"/>
+          </p:cNvSpPr>
+          <p:nvPr>
+            <p:ph type="title"/>
+          </p:nvPr>
+        </p:nvSpPr>
+        <p:spPr>
+          <a:xfrm>
+            <a:off x="457200" y="838200"/>
+            <a:ext cx="7467600" cy="1143000"/>
+          </a:xfrm>
+        </p:spPr>
+        <p:txBody>
+          <a:bodyPr/>
+          <a:lstStyle/>
+          <a:p>
+            <a:r>
+              <a:rPr lang="en-US" dirty="0" smtClean="0"/>
+              <a:t>Future work</a:t>
+            </a:r>
+            <a:endParaRPr lang="en-US" dirty="0"/>
+          </a:p>
+        </p:txBody>
+      </p:sp>
+      <p:sp>
+        <p:nvSpPr>
+          <p:cNvPr id="3" name="2 İçerik Yer Tutucusu"/>
+          <p:cNvSpPr>
+            <a:spLocks noGrp="1"/>
+          </p:cNvSpPr>
+          <p:nvPr>
+            <p:ph sz="quarter" idx="1"/>
+          </p:nvPr>
+        </p:nvSpPr>
+        <p:spPr>
+          <a:xfrm>
+            <a:off x="457200" y="2209800"/>
+            <a:ext cx="7467600" cy="4873752"/>
+          </a:xfrm>
+        </p:spPr>
+        <p:txBody>
+          <a:bodyPr/>
+          <a:lstStyle/>
+          <a:p>
+            <a:pPr>
+              <a:buNone/>
+            </a:pPr>
+            <a:r>
+              <a:rPr lang="en-US" dirty="0" smtClean="0"/>
+              <a:t>For future work if we have 6 more months and more budget to work on this project we could work </a:t>
+            </a:r>
+            <a:r>
+              <a:rPr lang="en-US" dirty="0" smtClean="0"/>
+              <a:t>on;</a:t>
+            </a:r>
+            <a:endParaRPr lang="en-US" dirty="0" smtClean="0"/>
+          </a:p>
+          <a:p>
+            <a:r>
+              <a:rPr lang="en-US" dirty="0" smtClean="0"/>
+              <a:t>On movie names(if they affect </a:t>
+            </a:r>
+            <a:r>
+              <a:rPr lang="en-US" dirty="0" err="1" smtClean="0"/>
+              <a:t>audience,ratings,reviews</a:t>
+            </a:r>
+            <a:r>
+              <a:rPr lang="en-US" dirty="0" smtClean="0"/>
+              <a:t>).</a:t>
+            </a:r>
+          </a:p>
+          <a:p>
+            <a:r>
+              <a:rPr lang="en-US" dirty="0" smtClean="0"/>
+              <a:t>On movie </a:t>
+            </a:r>
+            <a:r>
+              <a:rPr lang="en-US" dirty="0" smtClean="0"/>
+              <a:t>soundtracks.</a:t>
+            </a:r>
+          </a:p>
+          <a:p>
+            <a:r>
+              <a:rPr lang="en-US" dirty="0" smtClean="0"/>
+              <a:t>On regulation/marketing theater </a:t>
+            </a:r>
+            <a:r>
+              <a:rPr lang="en-US" dirty="0" smtClean="0"/>
+              <a:t>dates.</a:t>
+            </a:r>
+          </a:p>
+          <a:p>
+            <a:r>
+              <a:rPr lang="en-US" dirty="0" smtClean="0"/>
+              <a:t>Relations between directors and studios.</a:t>
+            </a:r>
+            <a:endParaRPr lang="en-US" dirty="0"/>
+          </a:p>
+        </p:txBody>
+      </p:sp>
+    </p:spTree>
+  </p:cSld>
+  <p:clrMapOvr>
+    <a:masterClrMapping/>
+  </p:clrMapOvr>
+</p:sld>
+</file>
+
+<file path=ppt/slides/slide13.xml><?xml version="1.0" encoding="utf-8"?>
 <p:sld xmlns:a="http://schemas.openxmlformats.org/drawingml/2006/main" xmlns:r="http://schemas.openxmlformats.org/officeDocument/2006/relationships" xmlns:p="http://schemas.openxmlformats.org/presentationml/2006/main">
   <p:cSld>
     <p:spTree>
@@ -5451,6 +5621,161 @@
           </a:p>
         </p:txBody>
       </p:sp>
+      <p:sp>
+        <p:nvSpPr>
+          <p:cNvPr id="5" name="1 Başlık"/>
+          <p:cNvSpPr txBox="1">
+            <a:spLocks/>
+          </p:cNvSpPr>
+          <p:nvPr/>
+        </p:nvSpPr>
+        <p:spPr>
+          <a:xfrm>
+            <a:off x="457200" y="3124200"/>
+            <a:ext cx="8229600" cy="1143000"/>
+          </a:xfrm>
+          <a:prstGeom prst="rect">
+            <a:avLst/>
+          </a:prstGeom>
+        </p:spPr>
+        <p:txBody>
+          <a:bodyPr vert="horz" anchor="b">
+            <a:normAutofit/>
+          </a:bodyPr>
+          <a:lstStyle/>
+          <a:p>
+            <a:pPr marL="0" marR="0" lvl="0" indent="0" algn="l" defTabSz="914400" rtl="0" eaLnBrk="1" fontAlgn="auto" latinLnBrk="0" hangingPunct="1">
+              <a:lnSpc>
+                <a:spcPct val="100000"/>
+              </a:lnSpc>
+              <a:spcBef>
+                <a:spcPct val="0"/>
+              </a:spcBef>
+              <a:spcAft>
+                <a:spcPts val="0"/>
+              </a:spcAft>
+              <a:buClrTx/>
+              <a:buSzTx/>
+              <a:buFontTx/>
+              <a:buNone/>
+              <a:tabLst/>
+              <a:defRPr/>
+            </a:pPr>
+            <a:r>
+              <a:rPr kumimoji="0" lang="en-US" sz="3000" b="0" i="0" u="none" strike="noStrike" kern="1200" cap="small" spc="0" normalizeH="0" baseline="0" noProof="0" dirty="0" smtClean="0">
+                <a:ln>
+                  <a:noFill/>
+                </a:ln>
+                <a:solidFill>
+                  <a:schemeClr val="tx2"/>
+                </a:solidFill>
+                <a:effectLst/>
+                <a:uLnTx/>
+                <a:uFillTx/>
+                <a:latin typeface="+mj-lt"/>
+                <a:ea typeface="+mj-ea"/>
+                <a:cs typeface="+mj-cs"/>
+              </a:rPr>
+              <a:t>What is business value ?</a:t>
+            </a:r>
+            <a:endParaRPr kumimoji="0" lang="en-US" sz="3000" b="0" i="0" u="none" strike="noStrike" kern="1200" cap="small" spc="0" normalizeH="0" baseline="0" noProof="0" dirty="0">
+              <a:ln>
+                <a:noFill/>
+              </a:ln>
+              <a:solidFill>
+                <a:schemeClr val="tx2"/>
+              </a:solidFill>
+              <a:effectLst/>
+              <a:uLnTx/>
+              <a:uFillTx/>
+              <a:latin typeface="+mj-lt"/>
+              <a:ea typeface="+mj-ea"/>
+              <a:cs typeface="+mj-cs"/>
+            </a:endParaRPr>
+          </a:p>
+        </p:txBody>
+      </p:sp>
+      <p:sp>
+        <p:nvSpPr>
+          <p:cNvPr id="7" name="6 Metin kutusu"/>
+          <p:cNvSpPr txBox="1"/>
+          <p:nvPr/>
+        </p:nvSpPr>
+        <p:spPr>
+          <a:xfrm>
+            <a:off x="609600" y="4572000"/>
+            <a:ext cx="6400800" cy="369332"/>
+          </a:xfrm>
+          <a:prstGeom prst="rect">
+            <a:avLst/>
+          </a:prstGeom>
+          <a:noFill/>
+          <a:ln>
+            <a:solidFill>
+              <a:schemeClr val="bg1"/>
+            </a:solidFill>
+          </a:ln>
+        </p:spPr>
+        <p:txBody>
+          <a:bodyPr wrap="square" rtlCol="0">
+            <a:spAutoFit/>
+          </a:bodyPr>
+          <a:lstStyle/>
+          <a:p>
+            <a:endParaRPr lang="en-US" b="1" dirty="0"/>
+          </a:p>
+        </p:txBody>
+      </p:sp>
+      <p:sp>
+        <p:nvSpPr>
+          <p:cNvPr id="8" name="7 Metin kutusu"/>
+          <p:cNvSpPr txBox="1"/>
+          <p:nvPr/>
+        </p:nvSpPr>
+        <p:spPr>
+          <a:xfrm>
+            <a:off x="609600" y="4648200"/>
+            <a:ext cx="6553200" cy="1200329"/>
+          </a:xfrm>
+          <a:prstGeom prst="rect">
+            <a:avLst/>
+          </a:prstGeom>
+          <a:noFill/>
+        </p:spPr>
+        <p:txBody>
+          <a:bodyPr wrap="square" rtlCol="0">
+            <a:spAutoFit/>
+          </a:bodyPr>
+          <a:lstStyle/>
+          <a:p>
+            <a:r>
+              <a:rPr lang="en-US" dirty="0" smtClean="0"/>
+              <a:t>Since the budget of the movie will be millions of </a:t>
+            </a:r>
+            <a:r>
+              <a:rPr lang="en-US" dirty="0" smtClean="0"/>
+              <a:t>dollars</a:t>
+            </a:r>
+            <a:r>
+              <a:rPr lang="en-US" dirty="0" smtClean="0"/>
+              <a:t>, making a movie with a high gross is very important</a:t>
+            </a:r>
+            <a:r>
+              <a:rPr lang="en-US" dirty="0" smtClean="0"/>
+              <a:t>.</a:t>
+            </a:r>
+            <a:r>
+              <a:rPr lang="en-US" i="1" dirty="0" smtClean="0"/>
+              <a:t> </a:t>
+            </a:r>
+            <a:r>
+              <a:rPr lang="en-US" dirty="0" smtClean="0"/>
+              <a:t>This analysis can be used in order to see a high gross and prevent the movie from failing at the box office.</a:t>
+            </a:r>
+            <a:endParaRPr lang="en-US" dirty="0"/>
+          </a:p>
+        </p:txBody>
+      </p:sp>
     </p:spTree>
   </p:cSld>
   <p:clrMapOvr>
@@ -5597,7 +5922,19 @@
           <a:p>
             <a:r>
               <a:rPr lang="en-US" dirty="0" smtClean="0"/>
-              <a:t>We have highest grossing studios and their total gross values in our data. This pictures you are seeing already sorted from top gross to bottom for  find best studios.</a:t>
+              <a:t>We have highest grossing studios and their total gross values in our data. This pictures you are seeing already sorted from top gross to bottom </a:t>
+            </a:r>
+            <a:r>
+              <a:rPr lang="en-US" dirty="0" smtClean="0"/>
+              <a:t>to</a:t>
+            </a:r>
+            <a:r>
+              <a:rPr lang="en-US" dirty="0" smtClean="0"/>
+              <a:t>  </a:t>
+            </a:r>
+            <a:r>
+              <a:rPr lang="en-US" dirty="0" smtClean="0"/>
+              <a:t>find best studios.</a:t>
             </a:r>
           </a:p>
           <a:p>
@@ -5690,9 +6027,47 @@
           </a:p>
         </p:txBody>
       </p:sp>
+      <p:sp>
+        <p:nvSpPr>
+          <p:cNvPr id="5" name="4 Metin kutusu"/>
+          <p:cNvSpPr txBox="1"/>
+          <p:nvPr/>
+        </p:nvSpPr>
+        <p:spPr>
+          <a:xfrm>
+            <a:off x="6477000" y="1905000"/>
+            <a:ext cx="2362200" cy="1754326"/>
+          </a:xfrm>
+          <a:prstGeom prst="rect">
+            <a:avLst/>
+          </a:prstGeom>
+          <a:noFill/>
+        </p:spPr>
+        <p:txBody>
+          <a:bodyPr wrap="square" rtlCol="0">
+            <a:spAutoFit/>
+          </a:bodyPr>
+          <a:lstStyle/>
+          <a:p>
+            <a:r>
+              <a:rPr lang="en-US" dirty="0" smtClean="0"/>
+              <a:t>As we can see from this visualization </a:t>
+            </a:r>
+            <a:r>
+              <a:rPr lang="en-US" dirty="0" err="1" smtClean="0"/>
+              <a:t>BV,Fox,WB</a:t>
+            </a:r>
+            <a:r>
+              <a:rPr lang="en-US" dirty="0" smtClean="0"/>
+              <a:t> and Uni. Studios are the highest-grossing studios.</a:t>
+            </a:r>
+            <a:endParaRPr lang="en-US" dirty="0"/>
+          </a:p>
+        </p:txBody>
+      </p:sp>
       <p:pic>
         <p:nvPicPr>
-          <p:cNvPr id="4" name="3 İçerik Yer Tutucusu" descr="20studiovis.jpg"/>
+          <p:cNvPr id="7" name="6 İçerik Yer Tutucusu" descr="20studio_graph.jpg"/>
           <p:cNvPicPr>
             <a:picLocks noGrp="1" noChangeAspect="1"/>
           </p:cNvPicPr>
@@ -5708,49 +6083,11 @@
         </p:blipFill>
         <p:spPr>
           <a:xfrm>
-            <a:off x="0" y="1524000"/>
-            <a:ext cx="7696200" cy="4525963"/>
+            <a:off x="228600" y="1600200"/>
+            <a:ext cx="6253061" cy="4251864"/>
           </a:xfrm>
         </p:spPr>
       </p:pic>
-      <p:sp>
-        <p:nvSpPr>
-          <p:cNvPr id="5" name="4 Metin kutusu"/>
-          <p:cNvSpPr txBox="1"/>
-          <p:nvPr/>
-        </p:nvSpPr>
-        <p:spPr>
-          <a:xfrm>
-            <a:off x="6477000" y="1905000"/>
-            <a:ext cx="2362200" cy="1754326"/>
-          </a:xfrm>
-          <a:prstGeom prst="rect">
-            <a:avLst/>
-          </a:prstGeom>
-          <a:noFill/>
-        </p:spPr>
-        <p:txBody>
-          <a:bodyPr wrap="square" rtlCol="0">
-            <a:spAutoFit/>
-          </a:bodyPr>
-          <a:lstStyle/>
-          <a:p>
-            <a:r>
-              <a:rPr lang="en-US" dirty="0" smtClean="0"/>
-              <a:t>As we can see from this visualization </a:t>
-            </a:r>
-            <a:r>
-              <a:rPr lang="en-US" dirty="0" err="1" smtClean="0"/>
-              <a:t>BV,Fox,WB</a:t>
-            </a:r>
-            <a:r>
-              <a:rPr lang="en-US" dirty="0" smtClean="0"/>
-              <a:t> and Uni. Studios are the highest-grossing studios.</a:t>
-            </a:r>
-            <a:endParaRPr lang="en-US" dirty="0"/>
-          </a:p>
-        </p:txBody>
-      </p:sp>
     </p:spTree>
   </p:cSld>
   <p:clrMapOvr>
@@ -5921,7 +6258,11 @@
           <a:p>
             <a:r>
               <a:rPr lang="en-US" dirty="0" smtClean="0"/>
-              <a:t>Looking the most made Movie Types</a:t>
+              <a:t>Looking the </a:t>
+            </a:r>
+            <a:r>
+              <a:rPr lang="en-US" dirty="0" smtClean="0"/>
+              <a:t>Most Common Movie Genres</a:t>
             </a:r>
             <a:endParaRPr lang="en-US" dirty="0"/>
           </a:p>
@@ -5929,7 +6270,7 @@
       </p:sp>
       <p:pic>
         <p:nvPicPr>
-          <p:cNvPr id="4" name="3 İçerik Yer Tutucusu" descr="Tpes.jpg"/>
+          <p:cNvPr id="6" name="5 İçerik Yer Tutucusu" descr="Types.jpg"/>
           <p:cNvPicPr>
             <a:picLocks noGrp="1" noChangeAspect="1"/>
           </p:cNvPicPr>
@@ -5945,8 +6286,8 @@
         </p:blipFill>
         <p:spPr>
           <a:xfrm>
-            <a:off x="457200" y="2224656"/>
-            <a:ext cx="7467600" cy="3624712"/>
+            <a:off x="304800" y="1905000"/>
+            <a:ext cx="8296053" cy="3876876"/>
           </a:xfrm>
         </p:spPr>
       </p:pic>
@@ -6135,29 +6476,6 @@
           </a:p>
         </p:txBody>
       </p:sp>
-      <p:pic>
-        <p:nvPicPr>
-          <p:cNvPr id="4" name="3 İçerik Yer Tutucusu" descr="budget.jpg"/>
-          <p:cNvPicPr>
-            <a:picLocks noGrp="1" noChangeAspect="1"/>
-          </p:cNvPicPr>
-          <p:nvPr>
-            <p:ph sz="quarter" idx="1"/>
-          </p:nvPr>
-        </p:nvPicPr>
-        <p:blipFill>
-          <a:blip r:embed="rId2" cstate="print"/>
-          <a:stretch>
-            <a:fillRect/>
-          </a:stretch>
-        </p:blipFill>
-        <p:spPr>
-          <a:xfrm>
-            <a:off x="76200" y="1447800"/>
-            <a:ext cx="6849201" cy="4525963"/>
-          </a:xfrm>
-        </p:spPr>
-      </p:pic>
       <p:cxnSp>
         <p:nvCxnSpPr>
           <p:cNvPr id="8" name="7 Düz Ok Bağlayıcısı"/>
@@ -6166,7 +6484,7 @@
         </p:nvCxnSpPr>
         <p:spPr>
           <a:xfrm flipV="1">
-            <a:off x="2209800" y="3048000"/>
+            <a:off x="1905000" y="2438400"/>
             <a:ext cx="3886200" cy="2362200"/>
           </a:xfrm>
           <a:prstGeom prst="straightConnector1">
@@ -6191,16 +6509,69 @@
           </a:fontRef>
         </p:style>
       </p:cxnSp>
+      <p:sp>
+        <p:nvSpPr>
+          <p:cNvPr id="11" name="10 Metin kutusu"/>
+          <p:cNvSpPr txBox="1"/>
+          <p:nvPr/>
+        </p:nvSpPr>
+        <p:spPr>
+          <a:xfrm>
+            <a:off x="6629400" y="1752600"/>
+            <a:ext cx="2362200" cy="1477328"/>
+          </a:xfrm>
+          <a:prstGeom prst="rect">
+            <a:avLst/>
+          </a:prstGeom>
+          <a:noFill/>
+        </p:spPr>
+        <p:txBody>
+          <a:bodyPr wrap="square" rtlCol="0">
+            <a:spAutoFit/>
+          </a:bodyPr>
+          <a:lstStyle/>
+          <a:p>
+            <a:r>
+              <a:rPr lang="en-US" dirty="0" smtClean="0"/>
+              <a:t>In this visualization is seen that the more budget provides the more revenue it comes.</a:t>
+            </a:r>
+            <a:endParaRPr lang="en-US" dirty="0"/>
+          </a:p>
+        </p:txBody>
+      </p:sp>
+      <p:pic>
+        <p:nvPicPr>
+          <p:cNvPr id="9" name="8 İçerik Yer Tutucusu" descr="budget.jpg"/>
+          <p:cNvPicPr>
+            <a:picLocks noGrp="1" noChangeAspect="1"/>
+          </p:cNvPicPr>
+          <p:nvPr>
+            <p:ph sz="quarter" idx="1"/>
+          </p:nvPr>
+        </p:nvPicPr>
+        <p:blipFill>
+          <a:blip r:embed="rId2" cstate="print"/>
+          <a:stretch>
+            <a:fillRect/>
+          </a:stretch>
+        </p:blipFill>
+        <p:spPr>
+          <a:xfrm>
+            <a:off x="152400" y="1524000"/>
+            <a:ext cx="6455445" cy="4191000"/>
+          </a:xfrm>
+        </p:spPr>
+      </p:pic>
       <p:cxnSp>
         <p:nvCxnSpPr>
-          <p:cNvPr id="10" name="9 Düz Ok Bağlayıcısı"/>
+          <p:cNvPr id="13" name="12 Düz Ok Bağlayıcısı"/>
           <p:cNvCxnSpPr/>
           <p:nvPr/>
         </p:nvCxnSpPr>
         <p:spPr>
           <a:xfrm flipV="1">
-            <a:off x="914400" y="1905000"/>
-            <a:ext cx="3581400" cy="2743200"/>
+            <a:off x="1066800" y="1981200"/>
+            <a:ext cx="3505200" cy="2438400"/>
           </a:xfrm>
           <a:prstGeom prst="straightConnector1">
             <a:avLst/>
@@ -6210,13 +6581,13 @@
           </a:ln>
         </p:spPr>
         <p:style>
-          <a:lnRef idx="2">
+          <a:lnRef idx="1">
             <a:schemeClr val="accent3"/>
           </a:lnRef>
           <a:fillRef idx="0">
             <a:schemeClr val="accent3"/>
           </a:fillRef>
-          <a:effectRef idx="1">
+          <a:effectRef idx="0">
             <a:schemeClr val="accent3"/>
           </a:effectRef>
           <a:fontRef idx="minor">
@@ -6224,36 +6595,39 @@
           </a:fontRef>
         </p:style>
       </p:cxnSp>
-      <p:sp>
-        <p:nvSpPr>
-          <p:cNvPr id="11" name="10 Metin kutusu"/>
-          <p:cNvSpPr txBox="1"/>
+      <p:cxnSp>
+        <p:nvCxnSpPr>
+          <p:cNvPr id="14" name="13 Düz Ok Bağlayıcısı"/>
+          <p:cNvCxnSpPr/>
           <p:nvPr/>
-        </p:nvSpPr>
+        </p:nvCxnSpPr>
         <p:spPr>
-          <a:xfrm>
-            <a:off x="6629400" y="1752600"/>
-            <a:ext cx="2362200" cy="1477328"/>
-          </a:xfrm>
-          <a:prstGeom prst="rect">
-            <a:avLst/>
-          </a:prstGeom>
-          <a:noFill/>
-        </p:spPr>
-        <p:txBody>
-          <a:bodyPr wrap="square" rtlCol="0">
-            <a:spAutoFit/>
-          </a:bodyPr>
-          <a:lstStyle/>
-          <a:p>
-            <a:r>
-              <a:rPr lang="en-US" dirty="0" smtClean="0"/>
-              <a:t>In this visualization is seen that the more budget provides the more revenue it comes.</a:t>
-            </a:r>
-            <a:endParaRPr lang="en-US" dirty="0"/>
-          </a:p>
-        </p:txBody>
-      </p:sp>
+          <a:xfrm flipV="1">
+            <a:off x="2667000" y="3352800"/>
+            <a:ext cx="3200400" cy="1981200"/>
+          </a:xfrm>
+          <a:prstGeom prst="straightConnector1">
+            <a:avLst/>
+          </a:prstGeom>
+          <a:ln>
+            <a:tailEnd type="arrow"/>
+          </a:ln>
+        </p:spPr>
+        <p:style>
+          <a:lnRef idx="1">
+            <a:schemeClr val="accent3"/>
+          </a:lnRef>
+          <a:fillRef idx="0">
+            <a:schemeClr val="accent3"/>
+          </a:fillRef>
+          <a:effectRef idx="0">
+            <a:schemeClr val="accent3"/>
+          </a:effectRef>
+          <a:fontRef idx="minor">
+            <a:schemeClr val="tx1"/>
+          </a:fontRef>
+        </p:style>
+      </p:cxnSp>
     </p:spTree>
   </p:cSld>
   <p:clrMapOvr>
@@ -6314,9 +6688,48 @@
           </a:p>
         </p:txBody>
       </p:sp>
+      <p:sp>
+        <p:nvSpPr>
+          <p:cNvPr id="5" name="4 Metin kutusu"/>
+          <p:cNvSpPr txBox="1"/>
+          <p:nvPr/>
+        </p:nvSpPr>
+        <p:spPr>
+          <a:xfrm>
+            <a:off x="6096000" y="1905000"/>
+            <a:ext cx="2667000" cy="2308324"/>
+          </a:xfrm>
+          <a:prstGeom prst="rect">
+            <a:avLst/>
+          </a:prstGeom>
+          <a:noFill/>
+        </p:spPr>
+        <p:txBody>
+          <a:bodyPr wrap="square" rtlCol="0">
+            <a:spAutoFit/>
+          </a:bodyPr>
+          <a:lstStyle/>
+          <a:p>
+            <a:r>
+              <a:rPr lang="en-US" dirty="0" smtClean="0"/>
+              <a:t>In this graph easily could seen over 200 million category reaches the highest point of revenue </a:t>
+            </a:r>
+          </a:p>
+          <a:p>
+            <a:endParaRPr lang="en-US" dirty="0"/>
+          </a:p>
+          <a:p>
+            <a:r>
+              <a:rPr lang="en-US" dirty="0" smtClean="0"/>
+              <a:t>and under 100 million budget movies are the lowest revenue movies.</a:t>
+            </a:r>
+            <a:endParaRPr lang="en-US" dirty="0"/>
+          </a:p>
+        </p:txBody>
+      </p:sp>
       <p:pic>
         <p:nvPicPr>
-          <p:cNvPr id="4" name="3 İçerik Yer Tutucusu" descr="3category.jpg"/>
+          <p:cNvPr id="7" name="6 İçerik Yer Tutucusu" descr="3category.jpg"/>
           <p:cNvPicPr>
             <a:picLocks noGrp="1" noChangeAspect="1"/>
           </p:cNvPicPr>
@@ -6332,50 +6745,11 @@
         </p:blipFill>
         <p:spPr>
           <a:xfrm>
-            <a:off x="457200" y="1600200"/>
-            <a:ext cx="5701951" cy="4525963"/>
+            <a:off x="228600" y="1676400"/>
+            <a:ext cx="5958733" cy="4419600"/>
           </a:xfrm>
         </p:spPr>
       </p:pic>
-      <p:sp>
-        <p:nvSpPr>
-          <p:cNvPr id="5" name="4 Metin kutusu"/>
-          <p:cNvSpPr txBox="1"/>
-          <p:nvPr/>
-        </p:nvSpPr>
-        <p:spPr>
-          <a:xfrm>
-            <a:off x="6096000" y="1905000"/>
-            <a:ext cx="2667000" cy="2308324"/>
-          </a:xfrm>
-          <a:prstGeom prst="rect">
-            <a:avLst/>
-          </a:prstGeom>
-          <a:noFill/>
-        </p:spPr>
-        <p:txBody>
-          <a:bodyPr wrap="square" rtlCol="0">
-            <a:spAutoFit/>
-          </a:bodyPr>
-          <a:lstStyle/>
-          <a:p>
-            <a:r>
-              <a:rPr lang="en-US" dirty="0" smtClean="0"/>
-              <a:t>In this graph easily could seen over 200 million category reaches the highest point of revenue </a:t>
-            </a:r>
-          </a:p>
-          <a:p>
-            <a:endParaRPr lang="en-US" dirty="0"/>
-          </a:p>
-          <a:p>
-            <a:r>
-              <a:rPr lang="en-US" dirty="0" smtClean="0"/>
-              <a:t>and under 100 million budget movies are the lowest revenue movies.</a:t>
-            </a:r>
-            <a:endParaRPr lang="en-US" dirty="0"/>
-          </a:p>
-        </p:txBody>
-      </p:sp>
     </p:spTree>
   </p:cSld>
   <p:clrMapOvr>
